--- a/Lab10/2021 STAT115 Lab10.pptx
+++ b/Lab10/2021 STAT115 Lab10.pptx
@@ -215,7 +215,7 @@
           <a:p>
             <a:fld id="{7EFD0AD0-3F74-4309-90F2-13A1986C47A9}" type="datetimeFigureOut">
               <a:rPr lang="zh-CN" altLang="en-US" smtClean="0"/>
-              <a:t>2021/4/10</a:t>
+              <a:t>2021/4/12</a:t>
             </a:fld>
             <a:endParaRPr lang="zh-CN" altLang="en-US"/>
           </a:p>
@@ -965,7 +965,7 @@
           <a:p>
             <a:fld id="{95D08084-C38F-47FF-AF4A-27900599F5E9}" type="datetimeFigureOut">
               <a:rPr lang="zh-CN" altLang="en-US" smtClean="0"/>
-              <a:t>2021/4/10</a:t>
+              <a:t>2021/4/12</a:t>
             </a:fld>
             <a:endParaRPr lang="zh-CN" altLang="en-US"/>
           </a:p>
@@ -1163,7 +1163,7 @@
           <a:p>
             <a:fld id="{95D08084-C38F-47FF-AF4A-27900599F5E9}" type="datetimeFigureOut">
               <a:rPr lang="zh-CN" altLang="en-US" smtClean="0"/>
-              <a:t>2021/4/10</a:t>
+              <a:t>2021/4/12</a:t>
             </a:fld>
             <a:endParaRPr lang="zh-CN" altLang="en-US"/>
           </a:p>
@@ -1371,7 +1371,7 @@
           <a:p>
             <a:fld id="{95D08084-C38F-47FF-AF4A-27900599F5E9}" type="datetimeFigureOut">
               <a:rPr lang="zh-CN" altLang="en-US" smtClean="0"/>
-              <a:t>2021/4/10</a:t>
+              <a:t>2021/4/12</a:t>
             </a:fld>
             <a:endParaRPr lang="zh-CN" altLang="en-US"/>
           </a:p>
@@ -1569,7 +1569,7 @@
           <a:p>
             <a:fld id="{95D08084-C38F-47FF-AF4A-27900599F5E9}" type="datetimeFigureOut">
               <a:rPr lang="zh-CN" altLang="en-US" smtClean="0"/>
-              <a:t>2021/4/10</a:t>
+              <a:t>2021/4/12</a:t>
             </a:fld>
             <a:endParaRPr lang="zh-CN" altLang="en-US"/>
           </a:p>
@@ -1844,7 +1844,7 @@
           <a:p>
             <a:fld id="{95D08084-C38F-47FF-AF4A-27900599F5E9}" type="datetimeFigureOut">
               <a:rPr lang="zh-CN" altLang="en-US" smtClean="0"/>
-              <a:t>2021/4/10</a:t>
+              <a:t>2021/4/12</a:t>
             </a:fld>
             <a:endParaRPr lang="zh-CN" altLang="en-US"/>
           </a:p>
@@ -2109,7 +2109,7 @@
           <a:p>
             <a:fld id="{95D08084-C38F-47FF-AF4A-27900599F5E9}" type="datetimeFigureOut">
               <a:rPr lang="zh-CN" altLang="en-US" smtClean="0"/>
-              <a:t>2021/4/10</a:t>
+              <a:t>2021/4/12</a:t>
             </a:fld>
             <a:endParaRPr lang="zh-CN" altLang="en-US"/>
           </a:p>
@@ -2521,7 +2521,7 @@
           <a:p>
             <a:fld id="{95D08084-C38F-47FF-AF4A-27900599F5E9}" type="datetimeFigureOut">
               <a:rPr lang="zh-CN" altLang="en-US" smtClean="0"/>
-              <a:t>2021/4/10</a:t>
+              <a:t>2021/4/12</a:t>
             </a:fld>
             <a:endParaRPr lang="zh-CN" altLang="en-US"/>
           </a:p>
@@ -2662,7 +2662,7 @@
           <a:p>
             <a:fld id="{95D08084-C38F-47FF-AF4A-27900599F5E9}" type="datetimeFigureOut">
               <a:rPr lang="zh-CN" altLang="en-US" smtClean="0"/>
-              <a:t>2021/4/10</a:t>
+              <a:t>2021/4/12</a:t>
             </a:fld>
             <a:endParaRPr lang="zh-CN" altLang="en-US"/>
           </a:p>
@@ -2775,7 +2775,7 @@
           <a:p>
             <a:fld id="{95D08084-C38F-47FF-AF4A-27900599F5E9}" type="datetimeFigureOut">
               <a:rPr lang="zh-CN" altLang="en-US" smtClean="0"/>
-              <a:t>2021/4/10</a:t>
+              <a:t>2021/4/12</a:t>
             </a:fld>
             <a:endParaRPr lang="zh-CN" altLang="en-US"/>
           </a:p>
@@ -3086,7 +3086,7 @@
           <a:p>
             <a:fld id="{95D08084-C38F-47FF-AF4A-27900599F5E9}" type="datetimeFigureOut">
               <a:rPr lang="zh-CN" altLang="en-US" smtClean="0"/>
-              <a:t>2021/4/10</a:t>
+              <a:t>2021/4/12</a:t>
             </a:fld>
             <a:endParaRPr lang="zh-CN" altLang="en-US"/>
           </a:p>
@@ -3374,7 +3374,7 @@
           <a:p>
             <a:fld id="{95D08084-C38F-47FF-AF4A-27900599F5E9}" type="datetimeFigureOut">
               <a:rPr lang="zh-CN" altLang="en-US" smtClean="0"/>
-              <a:t>2021/4/10</a:t>
+              <a:t>2021/4/12</a:t>
             </a:fld>
             <a:endParaRPr lang="zh-CN" altLang="en-US"/>
           </a:p>
@@ -3615,7 +3615,7 @@
           <a:p>
             <a:fld id="{95D08084-C38F-47FF-AF4A-27900599F5E9}" type="datetimeFigureOut">
               <a:rPr lang="zh-CN" altLang="en-US" smtClean="0"/>
-              <a:t>2021/4/10</a:t>
+              <a:t>2021/4/12</a:t>
             </a:fld>
             <a:endParaRPr lang="zh-CN" altLang="en-US"/>
           </a:p>
@@ -4410,7 +4410,7 @@
             </a:pPr>
             <a:r>
               <a:rPr lang="en-US" altLang="zh-CN" dirty="0"/>
-              <a:t>LIMMA fits a linear mode for each gene:</a:t>
+              <a:t>LIMMA fits a linear model for each gene:</a:t>
             </a:r>
           </a:p>
           <a:p>
@@ -4494,7 +4494,7 @@
             </a:r>
             <a:r>
               <a:rPr lang="en-US" altLang="zh-CN" dirty="0"/>
-              <a:t>Is the baseline expression of gene j</a:t>
+              <a:t>is the baseline expression of gene j</a:t>
             </a:r>
           </a:p>
           <a:p>
@@ -5074,7 +5074,7 @@
             </a:pPr>
             <a:r>
               <a:rPr lang="en-US" altLang="zh-CN" dirty="0"/>
-              <a:t>Are DNA methylation associated with higher or lower expression of these genes?</a:t>
+              <a:t>Is DNA methylation associated with higher or lower expression of these genes?</a:t>
             </a:r>
           </a:p>
           <a:p>
